--- a/Data Mining and Machine Learning - Final Presentation.pptx
+++ b/Data Mining and Machine Learning - Final Presentation.pptx
@@ -3430,7 +3430,7 @@
                 <a:latin typeface="Segoe UI" panose="020B0502040204020203" pitchFamily="34" charset="0"/>
                 <a:cs typeface="Segoe UI" panose="020B0502040204020203" pitchFamily="34" charset="0"/>
               </a:rPr>
-              <a:t>1. To understand and study the weather and alcohol consumption patterns in the state of Iowa in USA. </a:t>
+              <a:t>1. To understand and study the correlation between weather and alcohol consumption patterns in the state of Iowa in USA. </a:t>
             </a:r>
           </a:p>
           <a:p>
